--- a/imgs/architecture.pptx
+++ b/imgs/architecture.pptx
@@ -370,7 +370,7 @@
               <a:rPr lang="en-US" smtClean="0">
                 <a:latin typeface="Noto Sans CJK JP Regular" panose="020B0500000000000000" pitchFamily="34" charset="-128"/>
               </a:rPr>
-              <a:t>4/11/23</a:t>
+              <a:t>4/13/23</a:t>
             </a:fld>
             <a:endParaRPr lang="en-US" dirty="0">
               <a:latin typeface="Noto Sans CJK JP Regular" panose="020B0500000000000000" pitchFamily="34" charset="-128"/>
@@ -560,7 +560,7 @@
             <a:fld id="{0B25AC41-3BEC-9247-8322-91B80C013F2D}" type="datetimeFigureOut">
               <a:rPr lang="en-US" smtClean="0"/>
               <a:pPr/>
-              <a:t>4/11/23</a:t>
+              <a:t>4/13/23</a:t>
             </a:fld>
             <a:endParaRPr lang="en-US" dirty="0"/>
           </a:p>
@@ -1087,7 +1087,7 @@
           <a:p>
             <a:fld id="{C82F7C37-5A95-DF4C-91A3-D5050B5F8F26}" type="datetime1">
               <a:rPr lang="en-US" smtClean="0"/>
-              <a:t>4/11/23</a:t>
+              <a:t>4/13/23</a:t>
             </a:fld>
             <a:endParaRPr lang="en-US"/>
           </a:p>
@@ -5807,7 +5807,7 @@
           <a:p>
             <a:fld id="{A201F34C-F14B-CE41-A972-0675A263602C}" type="datetime1">
               <a:rPr lang="en-US" smtClean="0"/>
-              <a:t>4/11/23</a:t>
+              <a:t>4/13/23</a:t>
             </a:fld>
             <a:endParaRPr lang="en-US"/>
           </a:p>
@@ -7531,7 +7531,7 @@
           </a:prstGeom>
           <a:ln w="19050">
             <a:solidFill>
-              <a:srgbClr val="FF7971"/>
+              <a:schemeClr val="tx2"/>
             </a:solidFill>
             <a:headEnd type="none" w="med" len="sm"/>
             <a:tailEnd type="arrow" w="med" len="sm"/>
@@ -8617,7 +8617,7 @@
         </p:blipFill>
         <p:spPr bwMode="auto">
           <a:xfrm>
-            <a:off x="5899579" y="5931696"/>
+            <a:off x="6309884" y="5931696"/>
             <a:ext cx="692727" cy="692727"/>
           </a:xfrm>
           <a:prstGeom prst="rect">
@@ -8664,7 +8664,7 @@
         </p:nvSpPr>
         <p:spPr bwMode="auto">
           <a:xfrm>
-            <a:off x="5125167" y="6635613"/>
+            <a:off x="5535472" y="6635613"/>
             <a:ext cx="2243137" cy="276999"/>
           </a:xfrm>
           <a:prstGeom prst="rect">
@@ -8804,7 +8804,7 @@
                 <a:ea typeface="Meiryo" panose="020B0604030504040204" pitchFamily="34" charset="-128"/>
                 <a:cs typeface="Arial" panose="020B0604020202020204" pitchFamily="34" charset="0"/>
               </a:rPr>
-              <a:t>Amazon CloudWatch</a:t>
+              <a:t>CloudWatch</a:t>
             </a:r>
           </a:p>
         </p:txBody>
@@ -9745,15 +9745,14 @@
           </p:cNvPr>
           <p:cNvCxnSpPr>
             <a:cxnSpLocks/>
-            <a:stCxn id="127" idx="2"/>
             <a:endCxn id="42" idx="0"/>
           </p:cNvCxnSpPr>
           <p:nvPr/>
         </p:nvCxnSpPr>
         <p:spPr>
           <a:xfrm rot="16200000" flipH="1">
-            <a:off x="5127948" y="4813701"/>
-            <a:ext cx="1115212" cy="1120777"/>
+            <a:off x="5703070" y="4978518"/>
+            <a:ext cx="1126404" cy="779951"/>
           </a:xfrm>
           <a:prstGeom prst="curvedConnector3">
             <a:avLst>
@@ -10590,7 +10589,7 @@
         </p:blipFill>
         <p:spPr bwMode="auto">
           <a:xfrm>
-            <a:off x="6295993" y="5391216"/>
+            <a:off x="6706298" y="5391216"/>
             <a:ext cx="377851" cy="377851"/>
           </a:xfrm>
           <a:prstGeom prst="rect">
@@ -10621,6 +10620,853 @@
           </a:extLst>
         </p:spPr>
       </p:pic>
+      <p:pic>
+        <p:nvPicPr>
+          <p:cNvPr id="2" name="Graphic 17">
+            <a:extLst>
+              <a:ext uri="{FF2B5EF4-FFF2-40B4-BE49-F238E27FC236}">
+                <a16:creationId xmlns:a16="http://schemas.microsoft.com/office/drawing/2014/main" id="{AFB73A6C-3016-1D9A-EE44-CFF277C175BD}"/>
+              </a:ext>
+            </a:extLst>
+          </p:cNvPr>
+          <p:cNvPicPr>
+            <a:picLocks noChangeAspect="1" noChangeArrowheads="1"/>
+          </p:cNvPicPr>
+          <p:nvPr/>
+        </p:nvPicPr>
+        <p:blipFill>
+          <a:blip r:embed="rId25">
+            <a:extLst>
+              <a:ext uri="{28A0092B-C50C-407E-A947-70E740481C1C}">
+                <a14:useLocalDpi xmlns:a14="http://schemas.microsoft.com/office/drawing/2010/main" val="0"/>
+              </a:ext>
+            </a:extLst>
+          </a:blip>
+          <a:srcRect/>
+          <a:stretch>
+            <a:fillRect/>
+          </a:stretch>
+        </p:blipFill>
+        <p:spPr bwMode="auto">
+          <a:xfrm>
+            <a:off x="4737190" y="5931696"/>
+            <a:ext cx="692727" cy="692727"/>
+          </a:xfrm>
+          <a:prstGeom prst="rect">
+            <a:avLst/>
+          </a:prstGeom>
+          <a:noFill/>
+          <a:ln>
+            <a:noFill/>
+          </a:ln>
+          <a:extLst>
+            <a:ext uri="{909E8E84-426E-40DD-AFC4-6F175D3DCCD1}">
+              <a14:hiddenFill xmlns:a14="http://schemas.microsoft.com/office/drawing/2010/main">
+                <a:solidFill>
+                  <a:srgbClr val="FFFFFF"/>
+                </a:solidFill>
+              </a14:hiddenFill>
+            </a:ext>
+            <a:ext uri="{91240B29-F687-4F45-9708-019B960494DF}">
+              <a14:hiddenLine xmlns:a14="http://schemas.microsoft.com/office/drawing/2010/main" w="9525">
+                <a:solidFill>
+                  <a:srgbClr val="000000"/>
+                </a:solidFill>
+                <a:miter lim="800000"/>
+                <a:headEnd/>
+                <a:tailEnd/>
+              </a14:hiddenLine>
+            </a:ext>
+          </a:extLst>
+        </p:spPr>
+      </p:pic>
+      <p:sp>
+        <p:nvSpPr>
+          <p:cNvPr id="3" name="TextBox 11">
+            <a:extLst>
+              <a:ext uri="{FF2B5EF4-FFF2-40B4-BE49-F238E27FC236}">
+                <a16:creationId xmlns:a16="http://schemas.microsoft.com/office/drawing/2014/main" id="{A542CD85-6D3C-C172-B77D-4ACB11B2F9AB}"/>
+              </a:ext>
+            </a:extLst>
+          </p:cNvPr>
+          <p:cNvSpPr txBox="1">
+            <a:spLocks noChangeArrowheads="1"/>
+          </p:cNvSpPr>
+          <p:nvPr/>
+        </p:nvSpPr>
+        <p:spPr bwMode="auto">
+          <a:xfrm>
+            <a:off x="4049514" y="6612167"/>
+            <a:ext cx="2083955" cy="276999"/>
+          </a:xfrm>
+          <a:prstGeom prst="rect">
+            <a:avLst/>
+          </a:prstGeom>
+          <a:noFill/>
+          <a:ln>
+            <a:noFill/>
+          </a:ln>
+          <a:extLst>
+            <a:ext uri="{909E8E84-426E-40DD-AFC4-6F175D3DCCD1}">
+              <a14:hiddenFill xmlns:a14="http://schemas.microsoft.com/office/drawing/2010/main">
+                <a:solidFill>
+                  <a:srgbClr val="FFFFFF"/>
+                </a:solidFill>
+              </a14:hiddenFill>
+            </a:ext>
+            <a:ext uri="{91240B29-F687-4F45-9708-019B960494DF}">
+              <a14:hiddenLine xmlns:a14="http://schemas.microsoft.com/office/drawing/2010/main" w="9525">
+                <a:solidFill>
+                  <a:srgbClr val="000000"/>
+                </a:solidFill>
+                <a:miter lim="800000"/>
+                <a:headEnd/>
+                <a:tailEnd/>
+              </a14:hiddenLine>
+            </a:ext>
+          </a:extLst>
+        </p:spPr>
+        <p:txBody>
+          <a:bodyPr>
+            <a:spAutoFit/>
+          </a:bodyPr>
+          <a:lstStyle>
+            <a:lvl1pPr>
+              <a:defRPr>
+                <a:solidFill>
+                  <a:schemeClr val="tx1"/>
+                </a:solidFill>
+                <a:latin typeface="Calibri" panose="020F0502020204030204" pitchFamily="34" charset="0"/>
+              </a:defRPr>
+            </a:lvl1pPr>
+            <a:lvl2pPr marL="742950" indent="-285750">
+              <a:defRPr>
+                <a:solidFill>
+                  <a:schemeClr val="tx1"/>
+                </a:solidFill>
+                <a:latin typeface="Calibri" panose="020F0502020204030204" pitchFamily="34" charset="0"/>
+              </a:defRPr>
+            </a:lvl2pPr>
+            <a:lvl3pPr marL="1143000" indent="-228600">
+              <a:defRPr>
+                <a:solidFill>
+                  <a:schemeClr val="tx1"/>
+                </a:solidFill>
+                <a:latin typeface="Calibri" panose="020F0502020204030204" pitchFamily="34" charset="0"/>
+              </a:defRPr>
+            </a:lvl3pPr>
+            <a:lvl4pPr marL="1600200" indent="-228600">
+              <a:defRPr>
+                <a:solidFill>
+                  <a:schemeClr val="tx1"/>
+                </a:solidFill>
+                <a:latin typeface="Calibri" panose="020F0502020204030204" pitchFamily="34" charset="0"/>
+              </a:defRPr>
+            </a:lvl4pPr>
+            <a:lvl5pPr marL="2057400" indent="-228600">
+              <a:defRPr>
+                <a:solidFill>
+                  <a:schemeClr val="tx1"/>
+                </a:solidFill>
+                <a:latin typeface="Calibri" panose="020F0502020204030204" pitchFamily="34" charset="0"/>
+              </a:defRPr>
+            </a:lvl5pPr>
+            <a:lvl6pPr marL="2514600" indent="-228600" eaLnBrk="0" fontAlgn="base" hangingPunct="0">
+              <a:spcBef>
+                <a:spcPct val="0"/>
+              </a:spcBef>
+              <a:spcAft>
+                <a:spcPct val="0"/>
+              </a:spcAft>
+              <a:defRPr>
+                <a:solidFill>
+                  <a:schemeClr val="tx1"/>
+                </a:solidFill>
+                <a:latin typeface="Calibri" panose="020F0502020204030204" pitchFamily="34" charset="0"/>
+              </a:defRPr>
+            </a:lvl6pPr>
+            <a:lvl7pPr marL="2971800" indent="-228600" eaLnBrk="0" fontAlgn="base" hangingPunct="0">
+              <a:spcBef>
+                <a:spcPct val="0"/>
+              </a:spcBef>
+              <a:spcAft>
+                <a:spcPct val="0"/>
+              </a:spcAft>
+              <a:defRPr>
+                <a:solidFill>
+                  <a:schemeClr val="tx1"/>
+                </a:solidFill>
+                <a:latin typeface="Calibri" panose="020F0502020204030204" pitchFamily="34" charset="0"/>
+              </a:defRPr>
+            </a:lvl7pPr>
+            <a:lvl8pPr marL="3429000" indent="-228600" eaLnBrk="0" fontAlgn="base" hangingPunct="0">
+              <a:spcBef>
+                <a:spcPct val="0"/>
+              </a:spcBef>
+              <a:spcAft>
+                <a:spcPct val="0"/>
+              </a:spcAft>
+              <a:defRPr>
+                <a:solidFill>
+                  <a:schemeClr val="tx1"/>
+                </a:solidFill>
+                <a:latin typeface="Calibri" panose="020F0502020204030204" pitchFamily="34" charset="0"/>
+              </a:defRPr>
+            </a:lvl8pPr>
+            <a:lvl9pPr marL="3886200" indent="-228600" eaLnBrk="0" fontAlgn="base" hangingPunct="0">
+              <a:spcBef>
+                <a:spcPct val="0"/>
+              </a:spcBef>
+              <a:spcAft>
+                <a:spcPct val="0"/>
+              </a:spcAft>
+              <a:defRPr>
+                <a:solidFill>
+                  <a:schemeClr val="tx1"/>
+                </a:solidFill>
+                <a:latin typeface="Calibri" panose="020F0502020204030204" pitchFamily="34" charset="0"/>
+              </a:defRPr>
+            </a:lvl9pPr>
+          </a:lstStyle>
+          <a:p>
+            <a:pPr algn="ctr" eaLnBrk="1" hangingPunct="1"/>
+            <a:r>
+              <a:rPr lang="en-US" altLang="en-US" sz="1200" dirty="0">
+                <a:latin typeface="Meiryo UI" panose="020B0604030504040204" pitchFamily="34" charset="-128"/>
+                <a:ea typeface="Meiryo UI" panose="020B0604030504040204" pitchFamily="34" charset="-128"/>
+                <a:cs typeface="Arial" panose="020B0604020202020204" pitchFamily="34" charset="0"/>
+              </a:rPr>
+              <a:t>Secrets Manager</a:t>
+            </a:r>
+          </a:p>
+        </p:txBody>
+      </p:sp>
+      <p:cxnSp>
+        <p:nvCxnSpPr>
+          <p:cNvPr id="4" name="Elbow Connector 9">
+            <a:extLst>
+              <a:ext uri="{FF2B5EF4-FFF2-40B4-BE49-F238E27FC236}">
+                <a16:creationId xmlns:a16="http://schemas.microsoft.com/office/drawing/2014/main" id="{E480009A-F10C-8B17-D49C-CF206704BE3B}"/>
+              </a:ext>
+            </a:extLst>
+          </p:cNvPr>
+          <p:cNvCxnSpPr>
+            <a:cxnSpLocks/>
+            <a:stCxn id="2" idx="0"/>
+            <a:endCxn id="127" idx="2"/>
+          </p:cNvCxnSpPr>
+          <p:nvPr/>
+        </p:nvCxnSpPr>
+        <p:spPr>
+          <a:xfrm rot="5400000" flipH="1" flipV="1">
+            <a:off x="4546754" y="5353284"/>
+            <a:ext cx="1115212" cy="41612"/>
+          </a:xfrm>
+          <a:prstGeom prst="curvedConnector3">
+            <a:avLst>
+              <a:gd name="adj1" fmla="val 50000"/>
+            </a:avLst>
+          </a:prstGeom>
+          <a:ln w="19050">
+            <a:solidFill>
+              <a:srgbClr val="C00000"/>
+            </a:solidFill>
+            <a:prstDash val="dash"/>
+            <a:headEnd type="none" w="med" len="sm"/>
+            <a:tailEnd type="arrow" w="med" len="sm"/>
+          </a:ln>
+        </p:spPr>
+        <p:style>
+          <a:lnRef idx="1">
+            <a:schemeClr val="accent1"/>
+          </a:lnRef>
+          <a:fillRef idx="0">
+            <a:schemeClr val="accent1"/>
+          </a:fillRef>
+          <a:effectRef idx="0">
+            <a:schemeClr val="accent1"/>
+          </a:effectRef>
+          <a:fontRef idx="minor">
+            <a:schemeClr val="tx1"/>
+          </a:fontRef>
+        </p:style>
+      </p:cxnSp>
+      <p:pic>
+        <p:nvPicPr>
+          <p:cNvPr id="9" name="グラフィックス 15" descr="ユーザー 単色塗りつぶし">
+            <a:extLst>
+              <a:ext uri="{FF2B5EF4-FFF2-40B4-BE49-F238E27FC236}">
+                <a16:creationId xmlns:a16="http://schemas.microsoft.com/office/drawing/2014/main" id="{78643202-D649-E316-318D-9AD283265D9C}"/>
+              </a:ext>
+            </a:extLst>
+          </p:cNvPr>
+          <p:cNvPicPr>
+            <a:picLocks noChangeAspect="1"/>
+          </p:cNvPicPr>
+          <p:nvPr/>
+        </p:nvPicPr>
+        <p:blipFill>
+          <a:blip r:embed="rId7">
+            <a:extLst>
+              <a:ext uri="{96DAC541-7B7A-43D3-8B79-37D633B846F1}">
+                <asvg:svgBlip xmlns:asvg="http://schemas.microsoft.com/office/drawing/2016/SVG/main" r:embed="rId8"/>
+              </a:ext>
+            </a:extLst>
+          </a:blip>
+          <a:stretch>
+            <a:fillRect/>
+          </a:stretch>
+        </p:blipFill>
+        <p:spPr>
+          <a:xfrm>
+            <a:off x="271125" y="4424516"/>
+            <a:ext cx="743566" cy="743566"/>
+          </a:xfrm>
+          <a:prstGeom prst="rect">
+            <a:avLst/>
+          </a:prstGeom>
+        </p:spPr>
+      </p:pic>
+      <p:sp>
+        <p:nvSpPr>
+          <p:cNvPr id="10" name="TextBox 22">
+            <a:extLst>
+              <a:ext uri="{FF2B5EF4-FFF2-40B4-BE49-F238E27FC236}">
+                <a16:creationId xmlns:a16="http://schemas.microsoft.com/office/drawing/2014/main" id="{033F5545-8DCF-4FCB-687D-4646006A0598}"/>
+              </a:ext>
+            </a:extLst>
+          </p:cNvPr>
+          <p:cNvSpPr txBox="1">
+            <a:spLocks noChangeArrowheads="1"/>
+          </p:cNvSpPr>
+          <p:nvPr/>
+        </p:nvSpPr>
+        <p:spPr bwMode="auto">
+          <a:xfrm>
+            <a:off x="133118" y="5089713"/>
+            <a:ext cx="1064214" cy="276999"/>
+          </a:xfrm>
+          <a:prstGeom prst="rect">
+            <a:avLst/>
+          </a:prstGeom>
+          <a:noFill/>
+          <a:ln>
+            <a:noFill/>
+          </a:ln>
+          <a:extLst>
+            <a:ext uri="{909E8E84-426E-40DD-AFC4-6F175D3DCCD1}">
+              <a14:hiddenFill xmlns:a14="http://schemas.microsoft.com/office/drawing/2010/main">
+                <a:solidFill>
+                  <a:srgbClr val="FFFFFF"/>
+                </a:solidFill>
+              </a14:hiddenFill>
+            </a:ext>
+            <a:ext uri="{91240B29-F687-4F45-9708-019B960494DF}">
+              <a14:hiddenLine xmlns:a14="http://schemas.microsoft.com/office/drawing/2010/main" w="9525">
+                <a:solidFill>
+                  <a:srgbClr val="000000"/>
+                </a:solidFill>
+                <a:miter lim="800000"/>
+                <a:headEnd/>
+                <a:tailEnd/>
+              </a14:hiddenLine>
+            </a:ext>
+          </a:extLst>
+        </p:spPr>
+        <p:txBody>
+          <a:bodyPr>
+            <a:spAutoFit/>
+          </a:bodyPr>
+          <a:lstStyle>
+            <a:lvl1pPr>
+              <a:defRPr>
+                <a:solidFill>
+                  <a:schemeClr val="tx1"/>
+                </a:solidFill>
+                <a:latin typeface="Calibri" panose="020F0502020204030204" pitchFamily="34" charset="0"/>
+              </a:defRPr>
+            </a:lvl1pPr>
+            <a:lvl2pPr marL="742950" indent="-285750">
+              <a:defRPr>
+                <a:solidFill>
+                  <a:schemeClr val="tx1"/>
+                </a:solidFill>
+                <a:latin typeface="Calibri" panose="020F0502020204030204" pitchFamily="34" charset="0"/>
+              </a:defRPr>
+            </a:lvl2pPr>
+            <a:lvl3pPr marL="1143000" indent="-228600">
+              <a:defRPr>
+                <a:solidFill>
+                  <a:schemeClr val="tx1"/>
+                </a:solidFill>
+                <a:latin typeface="Calibri" panose="020F0502020204030204" pitchFamily="34" charset="0"/>
+              </a:defRPr>
+            </a:lvl3pPr>
+            <a:lvl4pPr marL="1600200" indent="-228600">
+              <a:defRPr>
+                <a:solidFill>
+                  <a:schemeClr val="tx1"/>
+                </a:solidFill>
+                <a:latin typeface="Calibri" panose="020F0502020204030204" pitchFamily="34" charset="0"/>
+              </a:defRPr>
+            </a:lvl4pPr>
+            <a:lvl5pPr marL="2057400" indent="-228600">
+              <a:defRPr>
+                <a:solidFill>
+                  <a:schemeClr val="tx1"/>
+                </a:solidFill>
+                <a:latin typeface="Calibri" panose="020F0502020204030204" pitchFamily="34" charset="0"/>
+              </a:defRPr>
+            </a:lvl5pPr>
+            <a:lvl6pPr marL="2514600" indent="-228600" eaLnBrk="0" fontAlgn="base" hangingPunct="0">
+              <a:spcBef>
+                <a:spcPct val="0"/>
+              </a:spcBef>
+              <a:spcAft>
+                <a:spcPct val="0"/>
+              </a:spcAft>
+              <a:defRPr>
+                <a:solidFill>
+                  <a:schemeClr val="tx1"/>
+                </a:solidFill>
+                <a:latin typeface="Calibri" panose="020F0502020204030204" pitchFamily="34" charset="0"/>
+              </a:defRPr>
+            </a:lvl6pPr>
+            <a:lvl7pPr marL="2971800" indent="-228600" eaLnBrk="0" fontAlgn="base" hangingPunct="0">
+              <a:spcBef>
+                <a:spcPct val="0"/>
+              </a:spcBef>
+              <a:spcAft>
+                <a:spcPct val="0"/>
+              </a:spcAft>
+              <a:defRPr>
+                <a:solidFill>
+                  <a:schemeClr val="tx1"/>
+                </a:solidFill>
+                <a:latin typeface="Calibri" panose="020F0502020204030204" pitchFamily="34" charset="0"/>
+              </a:defRPr>
+            </a:lvl7pPr>
+            <a:lvl8pPr marL="3429000" indent="-228600" eaLnBrk="0" fontAlgn="base" hangingPunct="0">
+              <a:spcBef>
+                <a:spcPct val="0"/>
+              </a:spcBef>
+              <a:spcAft>
+                <a:spcPct val="0"/>
+              </a:spcAft>
+              <a:defRPr>
+                <a:solidFill>
+                  <a:schemeClr val="tx1"/>
+                </a:solidFill>
+                <a:latin typeface="Calibri" panose="020F0502020204030204" pitchFamily="34" charset="0"/>
+              </a:defRPr>
+            </a:lvl8pPr>
+            <a:lvl9pPr marL="3886200" indent="-228600" eaLnBrk="0" fontAlgn="base" hangingPunct="0">
+              <a:spcBef>
+                <a:spcPct val="0"/>
+              </a:spcBef>
+              <a:spcAft>
+                <a:spcPct val="0"/>
+              </a:spcAft>
+              <a:defRPr>
+                <a:solidFill>
+                  <a:schemeClr val="tx1"/>
+                </a:solidFill>
+                <a:latin typeface="Calibri" panose="020F0502020204030204" pitchFamily="34" charset="0"/>
+              </a:defRPr>
+            </a:lvl9pPr>
+          </a:lstStyle>
+          <a:p>
+            <a:pPr algn="ctr" eaLnBrk="1" hangingPunct="1"/>
+            <a:r>
+              <a:rPr lang="en-US" altLang="en-US" sz="1200" dirty="0">
+                <a:latin typeface="Meiryo" panose="020B0604030504040204" pitchFamily="34" charset="-128"/>
+                <a:ea typeface="Meiryo" panose="020B0604030504040204" pitchFamily="34" charset="-128"/>
+                <a:cs typeface="Arial" panose="020B0604020202020204" pitchFamily="34" charset="0"/>
+              </a:rPr>
+              <a:t>User</a:t>
+            </a:r>
+          </a:p>
+        </p:txBody>
+      </p:sp>
+      <p:cxnSp>
+        <p:nvCxnSpPr>
+          <p:cNvPr id="11" name="Elbow Connector 9">
+            <a:extLst>
+              <a:ext uri="{FF2B5EF4-FFF2-40B4-BE49-F238E27FC236}">
+                <a16:creationId xmlns:a16="http://schemas.microsoft.com/office/drawing/2014/main" id="{DACF5AB3-42FF-128E-41DA-EF387378F2A9}"/>
+              </a:ext>
+            </a:extLst>
+          </p:cNvPr>
+          <p:cNvCxnSpPr>
+            <a:cxnSpLocks/>
+            <a:stCxn id="9" idx="3"/>
+            <a:endCxn id="127" idx="1"/>
+          </p:cNvCxnSpPr>
+          <p:nvPr/>
+        </p:nvCxnSpPr>
+        <p:spPr>
+          <a:xfrm flipV="1">
+            <a:off x="1014691" y="4216381"/>
+            <a:ext cx="2371837" cy="579918"/>
+          </a:xfrm>
+          <a:prstGeom prst="curvedConnector3">
+            <a:avLst>
+              <a:gd name="adj1" fmla="val 50000"/>
+            </a:avLst>
+          </a:prstGeom>
+          <a:ln w="19050">
+            <a:solidFill>
+              <a:schemeClr val="tx2"/>
+            </a:solidFill>
+            <a:headEnd type="none" w="med" len="sm"/>
+            <a:tailEnd type="arrow" w="med" len="sm"/>
+          </a:ln>
+        </p:spPr>
+        <p:style>
+          <a:lnRef idx="1">
+            <a:schemeClr val="accent1"/>
+          </a:lnRef>
+          <a:fillRef idx="0">
+            <a:schemeClr val="accent1"/>
+          </a:fillRef>
+          <a:effectRef idx="0">
+            <a:schemeClr val="accent1"/>
+          </a:effectRef>
+          <a:fontRef idx="minor">
+            <a:schemeClr val="tx1"/>
+          </a:fontRef>
+        </p:style>
+      </p:cxnSp>
+      <p:pic>
+        <p:nvPicPr>
+          <p:cNvPr id="16" name="Graphic 26">
+            <a:extLst>
+              <a:ext uri="{FF2B5EF4-FFF2-40B4-BE49-F238E27FC236}">
+                <a16:creationId xmlns:a16="http://schemas.microsoft.com/office/drawing/2014/main" id="{1AF43798-431D-CC12-910C-032A3796E75B}"/>
+              </a:ext>
+            </a:extLst>
+          </p:cNvPr>
+          <p:cNvPicPr>
+            <a:picLocks noChangeAspect="1" noChangeArrowheads="1"/>
+          </p:cNvPicPr>
+          <p:nvPr/>
+        </p:nvPicPr>
+        <p:blipFill>
+          <a:blip r:embed="rId26">
+            <a:extLst>
+              <a:ext uri="{28A0092B-C50C-407E-A947-70E740481C1C}">
+                <a14:useLocalDpi xmlns:a14="http://schemas.microsoft.com/office/drawing/2010/main" val="0"/>
+              </a:ext>
+            </a:extLst>
+          </a:blip>
+          <a:srcRect/>
+          <a:stretch>
+            <a:fillRect/>
+          </a:stretch>
+        </p:blipFill>
+        <p:spPr bwMode="auto">
+          <a:xfrm>
+            <a:off x="3835758" y="5396616"/>
+            <a:ext cx="457200" cy="457200"/>
+          </a:xfrm>
+          <a:prstGeom prst="rect">
+            <a:avLst/>
+          </a:prstGeom>
+          <a:noFill/>
+          <a:ln>
+            <a:noFill/>
+          </a:ln>
+          <a:extLst>
+            <a:ext uri="{909E8E84-426E-40DD-AFC4-6F175D3DCCD1}">
+              <a14:hiddenFill xmlns:a14="http://schemas.microsoft.com/office/drawing/2010/main">
+                <a:solidFill>
+                  <a:srgbClr val="FFFFFF"/>
+                </a:solidFill>
+              </a14:hiddenFill>
+            </a:ext>
+            <a:ext uri="{91240B29-F687-4F45-9708-019B960494DF}">
+              <a14:hiddenLine xmlns:a14="http://schemas.microsoft.com/office/drawing/2010/main" w="9525">
+                <a:solidFill>
+                  <a:srgbClr val="000000"/>
+                </a:solidFill>
+                <a:miter lim="800000"/>
+                <a:headEnd/>
+                <a:tailEnd/>
+              </a14:hiddenLine>
+            </a:ext>
+          </a:extLst>
+        </p:spPr>
+      </p:pic>
+      <p:pic>
+        <p:nvPicPr>
+          <p:cNvPr id="17" name="Graphic 15">
+            <a:extLst>
+              <a:ext uri="{FF2B5EF4-FFF2-40B4-BE49-F238E27FC236}">
+                <a16:creationId xmlns:a16="http://schemas.microsoft.com/office/drawing/2014/main" id="{E7DA0856-3F60-35BE-1141-844C28BC39FB}"/>
+              </a:ext>
+            </a:extLst>
+          </p:cNvPr>
+          <p:cNvPicPr>
+            <a:picLocks noChangeAspect="1" noChangeArrowheads="1"/>
+          </p:cNvPicPr>
+          <p:nvPr/>
+        </p:nvPicPr>
+        <p:blipFill>
+          <a:blip r:embed="rId27">
+            <a:extLst>
+              <a:ext uri="{28A0092B-C50C-407E-A947-70E740481C1C}">
+                <a14:useLocalDpi xmlns:a14="http://schemas.microsoft.com/office/drawing/2010/main" val="0"/>
+              </a:ext>
+            </a:extLst>
+          </a:blip>
+          <a:srcRect/>
+          <a:stretch>
+            <a:fillRect/>
+          </a:stretch>
+        </p:blipFill>
+        <p:spPr bwMode="auto">
+          <a:xfrm>
+            <a:off x="3221807" y="5931696"/>
+            <a:ext cx="692727" cy="692727"/>
+          </a:xfrm>
+          <a:prstGeom prst="rect">
+            <a:avLst/>
+          </a:prstGeom>
+          <a:noFill/>
+          <a:ln>
+            <a:noFill/>
+          </a:ln>
+          <a:extLst>
+            <a:ext uri="{909E8E84-426E-40DD-AFC4-6F175D3DCCD1}">
+              <a14:hiddenFill xmlns:a14="http://schemas.microsoft.com/office/drawing/2010/main">
+                <a:solidFill>
+                  <a:srgbClr val="FFFFFF"/>
+                </a:solidFill>
+              </a14:hiddenFill>
+            </a:ext>
+            <a:ext uri="{91240B29-F687-4F45-9708-019B960494DF}">
+              <a14:hiddenLine xmlns:a14="http://schemas.microsoft.com/office/drawing/2010/main" w="9525">
+                <a:solidFill>
+                  <a:srgbClr val="000000"/>
+                </a:solidFill>
+                <a:miter lim="800000"/>
+                <a:headEnd/>
+                <a:tailEnd/>
+              </a14:hiddenLine>
+            </a:ext>
+          </a:extLst>
+        </p:spPr>
+      </p:pic>
+      <p:sp>
+        <p:nvSpPr>
+          <p:cNvPr id="19" name="TextBox 11">
+            <a:extLst>
+              <a:ext uri="{FF2B5EF4-FFF2-40B4-BE49-F238E27FC236}">
+                <a16:creationId xmlns:a16="http://schemas.microsoft.com/office/drawing/2014/main" id="{8A12074C-A542-1FE7-13FF-1342DA1B306D}"/>
+              </a:ext>
+            </a:extLst>
+          </p:cNvPr>
+          <p:cNvSpPr txBox="1">
+            <a:spLocks noChangeArrowheads="1"/>
+          </p:cNvSpPr>
+          <p:nvPr/>
+        </p:nvSpPr>
+        <p:spPr bwMode="auto">
+          <a:xfrm>
+            <a:off x="2627268" y="6612167"/>
+            <a:ext cx="1894505" cy="276999"/>
+          </a:xfrm>
+          <a:prstGeom prst="rect">
+            <a:avLst/>
+          </a:prstGeom>
+          <a:noFill/>
+          <a:ln>
+            <a:noFill/>
+          </a:ln>
+          <a:extLst>
+            <a:ext uri="{909E8E84-426E-40DD-AFC4-6F175D3DCCD1}">
+              <a14:hiddenFill xmlns:a14="http://schemas.microsoft.com/office/drawing/2010/main">
+                <a:solidFill>
+                  <a:srgbClr val="FFFFFF"/>
+                </a:solidFill>
+              </a14:hiddenFill>
+            </a:ext>
+            <a:ext uri="{91240B29-F687-4F45-9708-019B960494DF}">
+              <a14:hiddenLine xmlns:a14="http://schemas.microsoft.com/office/drawing/2010/main" w="9525">
+                <a:solidFill>
+                  <a:srgbClr val="000000"/>
+                </a:solidFill>
+                <a:miter lim="800000"/>
+                <a:headEnd/>
+                <a:tailEnd/>
+              </a14:hiddenLine>
+            </a:ext>
+          </a:extLst>
+        </p:spPr>
+        <p:txBody>
+          <a:bodyPr>
+            <a:spAutoFit/>
+          </a:bodyPr>
+          <a:lstStyle>
+            <a:lvl1pPr>
+              <a:defRPr>
+                <a:solidFill>
+                  <a:schemeClr val="tx1"/>
+                </a:solidFill>
+                <a:latin typeface="Calibri" panose="020F0502020204030204" pitchFamily="34" charset="0"/>
+              </a:defRPr>
+            </a:lvl1pPr>
+            <a:lvl2pPr marL="742950" indent="-285750">
+              <a:defRPr>
+                <a:solidFill>
+                  <a:schemeClr val="tx1"/>
+                </a:solidFill>
+                <a:latin typeface="Calibri" panose="020F0502020204030204" pitchFamily="34" charset="0"/>
+              </a:defRPr>
+            </a:lvl2pPr>
+            <a:lvl3pPr marL="1143000" indent="-228600">
+              <a:defRPr>
+                <a:solidFill>
+                  <a:schemeClr val="tx1"/>
+                </a:solidFill>
+                <a:latin typeface="Calibri" panose="020F0502020204030204" pitchFamily="34" charset="0"/>
+              </a:defRPr>
+            </a:lvl3pPr>
+            <a:lvl4pPr marL="1600200" indent="-228600">
+              <a:defRPr>
+                <a:solidFill>
+                  <a:schemeClr val="tx1"/>
+                </a:solidFill>
+                <a:latin typeface="Calibri" panose="020F0502020204030204" pitchFamily="34" charset="0"/>
+              </a:defRPr>
+            </a:lvl4pPr>
+            <a:lvl5pPr marL="2057400" indent="-228600">
+              <a:defRPr>
+                <a:solidFill>
+                  <a:schemeClr val="tx1"/>
+                </a:solidFill>
+                <a:latin typeface="Calibri" panose="020F0502020204030204" pitchFamily="34" charset="0"/>
+              </a:defRPr>
+            </a:lvl5pPr>
+            <a:lvl6pPr marL="2514600" indent="-228600" eaLnBrk="0" fontAlgn="base" hangingPunct="0">
+              <a:spcBef>
+                <a:spcPct val="0"/>
+              </a:spcBef>
+              <a:spcAft>
+                <a:spcPct val="0"/>
+              </a:spcAft>
+              <a:defRPr>
+                <a:solidFill>
+                  <a:schemeClr val="tx1"/>
+                </a:solidFill>
+                <a:latin typeface="Calibri" panose="020F0502020204030204" pitchFamily="34" charset="0"/>
+              </a:defRPr>
+            </a:lvl6pPr>
+            <a:lvl7pPr marL="2971800" indent="-228600" eaLnBrk="0" fontAlgn="base" hangingPunct="0">
+              <a:spcBef>
+                <a:spcPct val="0"/>
+              </a:spcBef>
+              <a:spcAft>
+                <a:spcPct val="0"/>
+              </a:spcAft>
+              <a:defRPr>
+                <a:solidFill>
+                  <a:schemeClr val="tx1"/>
+                </a:solidFill>
+                <a:latin typeface="Calibri" panose="020F0502020204030204" pitchFamily="34" charset="0"/>
+              </a:defRPr>
+            </a:lvl7pPr>
+            <a:lvl8pPr marL="3429000" indent="-228600" eaLnBrk="0" fontAlgn="base" hangingPunct="0">
+              <a:spcBef>
+                <a:spcPct val="0"/>
+              </a:spcBef>
+              <a:spcAft>
+                <a:spcPct val="0"/>
+              </a:spcAft>
+              <a:defRPr>
+                <a:solidFill>
+                  <a:schemeClr val="tx1"/>
+                </a:solidFill>
+                <a:latin typeface="Calibri" panose="020F0502020204030204" pitchFamily="34" charset="0"/>
+              </a:defRPr>
+            </a:lvl8pPr>
+            <a:lvl9pPr marL="3886200" indent="-228600" eaLnBrk="0" fontAlgn="base" hangingPunct="0">
+              <a:spcBef>
+                <a:spcPct val="0"/>
+              </a:spcBef>
+              <a:spcAft>
+                <a:spcPct val="0"/>
+              </a:spcAft>
+              <a:defRPr>
+                <a:solidFill>
+                  <a:schemeClr val="tx1"/>
+                </a:solidFill>
+                <a:latin typeface="Calibri" panose="020F0502020204030204" pitchFamily="34" charset="0"/>
+              </a:defRPr>
+            </a:lvl9pPr>
+          </a:lstStyle>
+          <a:p>
+            <a:pPr algn="ctr" eaLnBrk="1" hangingPunct="1"/>
+            <a:r>
+              <a:rPr lang="en-US" altLang="en-US" sz="1200" dirty="0">
+                <a:latin typeface="Meiryo UI" panose="020B0604030504040204" pitchFamily="34" charset="-128"/>
+                <a:ea typeface="Meiryo UI" panose="020B0604030504040204" pitchFamily="34" charset="-128"/>
+                <a:cs typeface="Arial" panose="020B0604020202020204" pitchFamily="34" charset="0"/>
+              </a:rPr>
+              <a:t>Systems Manager</a:t>
+            </a:r>
+          </a:p>
+        </p:txBody>
+      </p:sp>
+      <p:cxnSp>
+        <p:nvCxnSpPr>
+          <p:cNvPr id="20" name="Elbow Connector 9">
+            <a:extLst>
+              <a:ext uri="{FF2B5EF4-FFF2-40B4-BE49-F238E27FC236}">
+                <a16:creationId xmlns:a16="http://schemas.microsoft.com/office/drawing/2014/main" id="{6FC11BD6-BE93-2322-5644-001263117E9E}"/>
+              </a:ext>
+            </a:extLst>
+          </p:cNvPr>
+          <p:cNvCxnSpPr>
+            <a:cxnSpLocks/>
+            <a:stCxn id="17" idx="0"/>
+          </p:cNvCxnSpPr>
+          <p:nvPr/>
+        </p:nvCxnSpPr>
+        <p:spPr>
+          <a:xfrm rot="5400000" flipH="1" flipV="1">
+            <a:off x="3215162" y="5158301"/>
+            <a:ext cx="1126404" cy="420387"/>
+          </a:xfrm>
+          <a:prstGeom prst="curvedConnector3">
+            <a:avLst>
+              <a:gd name="adj1" fmla="val 50000"/>
+            </a:avLst>
+          </a:prstGeom>
+          <a:ln w="19050">
+            <a:solidFill>
+              <a:srgbClr val="C00000"/>
+            </a:solidFill>
+            <a:prstDash val="dash"/>
+            <a:headEnd type="none" w="med" len="sm"/>
+            <a:tailEnd type="arrow" w="med" len="sm"/>
+          </a:ln>
+        </p:spPr>
+        <p:style>
+          <a:lnRef idx="1">
+            <a:schemeClr val="accent1"/>
+          </a:lnRef>
+          <a:fillRef idx="0">
+            <a:schemeClr val="accent1"/>
+          </a:fillRef>
+          <a:effectRef idx="0">
+            <a:schemeClr val="accent1"/>
+          </a:effectRef>
+          <a:fontRef idx="minor">
+            <a:schemeClr val="tx1"/>
+          </a:fontRef>
+        </p:style>
+      </p:cxnSp>
     </p:spTree>
     <p:extLst>
       <p:ext uri="{BB962C8B-B14F-4D97-AF65-F5344CB8AC3E}">
@@ -11873,6 +12719,21 @@
 </file>
 
 <file path=customXml/item1.xml><?xml version="1.0" encoding="utf-8"?>
+<?mso-contentType ?>
+<FormTemplates xmlns="http://schemas.microsoft.com/sharepoint/v3/contenttype/forms">
+  <Display>DocumentLibraryForm</Display>
+  <Edit>DocumentLibraryForm</Edit>
+  <New>DocumentLibraryForm</New>
+</FormTemplates>
+</file>
+
+<file path=customXml/item2.xml><?xml version="1.0" encoding="utf-8"?>
+<p:properties xmlns:p="http://schemas.microsoft.com/office/2006/metadata/properties" xmlns:xsi="http://www.w3.org/2001/XMLSchema-instance">
+  <documentManagement/>
+</p:properties>
+</file>
+
+<file path=customXml/item3.xml><?xml version="1.0" encoding="utf-8"?>
 <ct:contentTypeSchema xmlns:ct="http://schemas.microsoft.com/office/2006/metadata/contentType" xmlns:ma="http://schemas.microsoft.com/office/2006/metadata/properties/metaAttributes" ct:_="" ma:_="" ma:contentTypeName="Document" ma:contentTypeID="0x010100D26A3D6C04DFD740953BA1B2B9E62D60" ma:contentTypeVersion="0" ma:contentTypeDescription="Create a new document." ma:contentTypeScope="" ma:versionID="26617cd14cd3af163c0e97ff614e520a">
   <xsd:schema xmlns:xsd="http://www.w3.org/2001/XMLSchema" xmlns:xs="http://www.w3.org/2001/XMLSchema" xmlns:p="http://schemas.microsoft.com/office/2006/metadata/properties" targetNamespace="http://schemas.microsoft.com/office/2006/metadata/properties" ma:root="true" ma:fieldsID="c64490b4aec6201516c3a874156f37b2">
     <xsd:element name="properties">
@@ -11986,33 +12847,10 @@
 </ct:contentTypeSchema>
 </file>
 
-<file path=customXml/item2.xml><?xml version="1.0" encoding="utf-8"?>
-<p:properties xmlns:p="http://schemas.microsoft.com/office/2006/metadata/properties" xmlns:xsi="http://www.w3.org/2001/XMLSchema-instance">
-  <documentManagement/>
-</p:properties>
-</file>
-
-<file path=customXml/item3.xml><?xml version="1.0" encoding="utf-8"?>
-<?mso-contentType ?>
-<FormTemplates xmlns="http://schemas.microsoft.com/sharepoint/v3/contenttype/forms">
-  <Display>DocumentLibraryForm</Display>
-  <Edit>DocumentLibraryForm</Edit>
-  <New>DocumentLibraryForm</New>
-</FormTemplates>
-</file>
-
 <file path=customXml/itemProps1.xml><?xml version="1.0" encoding="utf-8"?>
-<ds:datastoreItem xmlns:ds="http://schemas.openxmlformats.org/officeDocument/2006/customXml" ds:itemID="{51A3258A-222C-4488-825E-7520D001FB75}">
+<ds:datastoreItem xmlns:ds="http://schemas.openxmlformats.org/officeDocument/2006/customXml" ds:itemID="{705B35A6-8B52-46A5-AE45-B98C6459DC10}">
   <ds:schemaRefs>
-    <ds:schemaRef ds:uri="http://schemas.microsoft.com/office/2006/metadata/contentType"/>
-    <ds:schemaRef ds:uri="http://schemas.microsoft.com/office/2006/metadata/properties/metaAttributes"/>
-    <ds:schemaRef ds:uri="http://www.w3.org/2001/XMLSchema"/>
-    <ds:schemaRef ds:uri="http://schemas.microsoft.com/office/2006/metadata/properties"/>
-    <ds:schemaRef ds:uri="http://schemas.openxmlformats.org/package/2006/metadata/core-properties"/>
-    <ds:schemaRef ds:uri="http://purl.org/dc/elements/1.1/"/>
-    <ds:schemaRef ds:uri="http://purl.org/dc/terms/"/>
-    <ds:schemaRef ds:uri="http://schemas.microsoft.com/internal/obd"/>
-    <ds:schemaRef ds:uri="http://schemas.microsoft.com/office/infopath/2007/PartnerControls"/>
+    <ds:schemaRef ds:uri="http://schemas.microsoft.com/sharepoint/v3/contenttype/forms"/>
   </ds:schemaRefs>
 </ds:datastoreItem>
 </file>
@@ -12033,9 +12871,17 @@
 </file>
 
 <file path=customXml/itemProps3.xml><?xml version="1.0" encoding="utf-8"?>
-<ds:datastoreItem xmlns:ds="http://schemas.openxmlformats.org/officeDocument/2006/customXml" ds:itemID="{705B35A6-8B52-46A5-AE45-B98C6459DC10}">
+<ds:datastoreItem xmlns:ds="http://schemas.openxmlformats.org/officeDocument/2006/customXml" ds:itemID="{51A3258A-222C-4488-825E-7520D001FB75}">
   <ds:schemaRefs>
-    <ds:schemaRef ds:uri="http://schemas.microsoft.com/sharepoint/v3/contenttype/forms"/>
+    <ds:schemaRef ds:uri="http://schemas.microsoft.com/office/2006/metadata/contentType"/>
+    <ds:schemaRef ds:uri="http://schemas.microsoft.com/office/2006/metadata/properties/metaAttributes"/>
+    <ds:schemaRef ds:uri="http://www.w3.org/2001/XMLSchema"/>
+    <ds:schemaRef ds:uri="http://schemas.microsoft.com/office/2006/metadata/properties"/>
+    <ds:schemaRef ds:uri="http://schemas.openxmlformats.org/package/2006/metadata/core-properties"/>
+    <ds:schemaRef ds:uri="http://purl.org/dc/elements/1.1/"/>
+    <ds:schemaRef ds:uri="http://purl.org/dc/terms/"/>
+    <ds:schemaRef ds:uri="http://schemas.microsoft.com/internal/obd"/>
+    <ds:schemaRef ds:uri="http://schemas.microsoft.com/office/infopath/2007/PartnerControls"/>
   </ds:schemaRefs>
 </ds:datastoreItem>
 </file>